--- a/לנתב בין הכתובות - מצגת חדשה.pptx
+++ b/לנתב בין הכתובות - מצגת חדשה.pptx
@@ -4,22 +4,1251 @@
   <p:sldMasterIdLst>
     <p:sldMasterId id="2147483648" r:id="rId1"/>
   </p:sldMasterIdLst>
+  <p:notesMasterIdLst>
+    <p:notesMasterId r:id="rId13"/>
+  </p:notesMasterIdLst>
   <p:sldIdLst>
-    <p:sldId id="256" r:id="rId3"/>
-    <p:sldId id="257" r:id="rId4"/>
-    <p:sldId id="258" r:id="rId5"/>
-    <p:sldId id="259" r:id="rId6"/>
-    <p:sldId id="260" r:id="rId7"/>
-    <p:sldId id="261" r:id="rId8"/>
-    <p:sldId id="262" r:id="rId9"/>
-    <p:sldId id="263" r:id="rId10"/>
-    <p:sldId id="264" r:id="rId11"/>
-    <p:sldId id="265" r:id="rId12"/>
-    <p:sldId id="266" r:id="rId13"/>
+    <p:sldId id="256" r:id="rId2"/>
+    <p:sldId id="257" r:id="rId3"/>
+    <p:sldId id="258" r:id="rId4"/>
+    <p:sldId id="259" r:id="rId5"/>
+    <p:sldId id="260" r:id="rId6"/>
+    <p:sldId id="261" r:id="rId7"/>
+    <p:sldId id="262" r:id="rId8"/>
+    <p:sldId id="263" r:id="rId9"/>
+    <p:sldId id="264" r:id="rId10"/>
+    <p:sldId id="265" r:id="rId11"/>
+    <p:sldId id="266" r:id="rId12"/>
   </p:sldIdLst>
   <p:sldSz cx="9144000" cy="6858000" type="screen4x3"/>
   <p:notesSz cx="6858000" cy="9144000"/>
+  <p:defaultTextStyle>
+    <a:defPPr>
+      <a:defRPr lang="he-IL"/>
+    </a:defPPr>
+    <a:lvl1pPr marL="0" algn="l" defTabSz="914400" rtl="0" eaLnBrk="1" latinLnBrk="0" hangingPunct="1">
+      <a:defRPr sz="1800" kern="1200">
+        <a:solidFill>
+          <a:schemeClr val="tx1"/>
+        </a:solidFill>
+        <a:latin typeface="+mn-lt"/>
+        <a:ea typeface="+mn-ea"/>
+        <a:cs typeface="+mn-cs"/>
+      </a:defRPr>
+    </a:lvl1pPr>
+    <a:lvl2pPr marL="457200" algn="l" defTabSz="914400" rtl="0" eaLnBrk="1" latinLnBrk="0" hangingPunct="1">
+      <a:defRPr sz="1800" kern="1200">
+        <a:solidFill>
+          <a:schemeClr val="tx1"/>
+        </a:solidFill>
+        <a:latin typeface="+mn-lt"/>
+        <a:ea typeface="+mn-ea"/>
+        <a:cs typeface="+mn-cs"/>
+      </a:defRPr>
+    </a:lvl2pPr>
+    <a:lvl3pPr marL="914400" algn="l" defTabSz="914400" rtl="0" eaLnBrk="1" latinLnBrk="0" hangingPunct="1">
+      <a:defRPr sz="1800" kern="1200">
+        <a:solidFill>
+          <a:schemeClr val="tx1"/>
+        </a:solidFill>
+        <a:latin typeface="+mn-lt"/>
+        <a:ea typeface="+mn-ea"/>
+        <a:cs typeface="+mn-cs"/>
+      </a:defRPr>
+    </a:lvl3pPr>
+    <a:lvl4pPr marL="1371600" algn="l" defTabSz="914400" rtl="0" eaLnBrk="1" latinLnBrk="0" hangingPunct="1">
+      <a:defRPr sz="1800" kern="1200">
+        <a:solidFill>
+          <a:schemeClr val="tx1"/>
+        </a:solidFill>
+        <a:latin typeface="+mn-lt"/>
+        <a:ea typeface="+mn-ea"/>
+        <a:cs typeface="+mn-cs"/>
+      </a:defRPr>
+    </a:lvl4pPr>
+    <a:lvl5pPr marL="1828800" algn="l" defTabSz="914400" rtl="0" eaLnBrk="1" latinLnBrk="0" hangingPunct="1">
+      <a:defRPr sz="1800" kern="1200">
+        <a:solidFill>
+          <a:schemeClr val="tx1"/>
+        </a:solidFill>
+        <a:latin typeface="+mn-lt"/>
+        <a:ea typeface="+mn-ea"/>
+        <a:cs typeface="+mn-cs"/>
+      </a:defRPr>
+    </a:lvl5pPr>
+    <a:lvl6pPr marL="2286000" algn="l" defTabSz="914400" rtl="0" eaLnBrk="1" latinLnBrk="0" hangingPunct="1">
+      <a:defRPr sz="1800" kern="1200">
+        <a:solidFill>
+          <a:schemeClr val="tx1"/>
+        </a:solidFill>
+        <a:latin typeface="+mn-lt"/>
+        <a:ea typeface="+mn-ea"/>
+        <a:cs typeface="+mn-cs"/>
+      </a:defRPr>
+    </a:lvl6pPr>
+    <a:lvl7pPr marL="2743200" algn="l" defTabSz="914400" rtl="0" eaLnBrk="1" latinLnBrk="0" hangingPunct="1">
+      <a:defRPr sz="1800" kern="1200">
+        <a:solidFill>
+          <a:schemeClr val="tx1"/>
+        </a:solidFill>
+        <a:latin typeface="+mn-lt"/>
+        <a:ea typeface="+mn-ea"/>
+        <a:cs typeface="+mn-cs"/>
+      </a:defRPr>
+    </a:lvl7pPr>
+    <a:lvl8pPr marL="3200400" algn="l" defTabSz="914400" rtl="0" eaLnBrk="1" latinLnBrk="0" hangingPunct="1">
+      <a:defRPr sz="1800" kern="1200">
+        <a:solidFill>
+          <a:schemeClr val="tx1"/>
+        </a:solidFill>
+        <a:latin typeface="+mn-lt"/>
+        <a:ea typeface="+mn-ea"/>
+        <a:cs typeface="+mn-cs"/>
+      </a:defRPr>
+    </a:lvl8pPr>
+    <a:lvl9pPr marL="3657600" algn="l" defTabSz="914400" rtl="0" eaLnBrk="1" latinLnBrk="0" hangingPunct="1">
+      <a:defRPr sz="1800" kern="1200">
+        <a:solidFill>
+          <a:schemeClr val="tx1"/>
+        </a:solidFill>
+        <a:latin typeface="+mn-lt"/>
+        <a:ea typeface="+mn-ea"/>
+        <a:cs typeface="+mn-cs"/>
+      </a:defRPr>
+    </a:lvl9pPr>
+  </p:defaultTextStyle>
 </p:presentation>
+</file>
+
+<file path=ppt/notesMasters/notesMaster1.xml><?xml version="1.0" encoding="utf-8"?>
+<p:notesMaster xmlns:a="http://schemas.openxmlformats.org/drawingml/2006/main" xmlns:r="http://schemas.openxmlformats.org/officeDocument/2006/relationships" xmlns:p="http://schemas.openxmlformats.org/presentationml/2006/main">
+  <p:cSld>
+    <p:bg>
+      <p:bgRef idx="1001">
+        <a:schemeClr val="bg1"/>
+      </p:bgRef>
+    </p:bg>
+    <p:spTree>
+      <p:nvGrpSpPr>
+        <p:cNvPr id="1" name=""/>
+        <p:cNvGrpSpPr/>
+        <p:nvPr/>
+      </p:nvGrpSpPr>
+      <p:grpSpPr>
+        <a:xfrm>
+          <a:off x="0" y="0"/>
+          <a:ext cx="0" cy="0"/>
+          <a:chOff x="0" y="0"/>
+          <a:chExt cx="0" cy="0"/>
+        </a:xfrm>
+      </p:grpSpPr>
+      <p:sp>
+        <p:nvSpPr>
+          <p:cNvPr id="2" name="Header Placeholder 1"/>
+          <p:cNvSpPr>
+            <a:spLocks noGrp="1"/>
+          </p:cNvSpPr>
+          <p:nvPr>
+            <p:ph type="hdr" sz="quarter"/>
+          </p:nvPr>
+        </p:nvSpPr>
+        <p:spPr>
+          <a:xfrm>
+            <a:off x="0" y="0"/>
+            <a:ext cx="2971800" cy="458788"/>
+          </a:xfrm>
+          <a:prstGeom prst="rect">
+            <a:avLst/>
+          </a:prstGeom>
+        </p:spPr>
+        <p:txBody>
+          <a:bodyPr vert="horz" lIns="91440" tIns="45720" rIns="91440" bIns="45720" rtlCol="0"/>
+          <a:lstStyle>
+            <a:lvl1pPr algn="r">
+              <a:defRPr sz="1200"/>
+            </a:lvl1pPr>
+          </a:lstStyle>
+          <a:p>
+            <a:endParaRPr lang="he-IL"/>
+          </a:p>
+        </p:txBody>
+      </p:sp>
+      <p:sp>
+        <p:nvSpPr>
+          <p:cNvPr id="3" name="Date Placeholder 2"/>
+          <p:cNvSpPr>
+            <a:spLocks noGrp="1"/>
+          </p:cNvSpPr>
+          <p:nvPr>
+            <p:ph type="dt" idx="1"/>
+          </p:nvPr>
+        </p:nvSpPr>
+        <p:spPr>
+          <a:xfrm>
+            <a:off x="3884613" y="0"/>
+            <a:ext cx="2971800" cy="458788"/>
+          </a:xfrm>
+          <a:prstGeom prst="rect">
+            <a:avLst/>
+          </a:prstGeom>
+        </p:spPr>
+        <p:txBody>
+          <a:bodyPr vert="horz" lIns="91440" tIns="45720" rIns="91440" bIns="45720" rtlCol="0"/>
+          <a:lstStyle>
+            <a:lvl1pPr algn="l">
+              <a:defRPr sz="1200"/>
+            </a:lvl1pPr>
+          </a:lstStyle>
+          <a:p>
+            <a:fld id="{43E64927-C242-49A2-BFF3-0B2BA4AC4F9A}" type="datetimeFigureOut">
+              <a:rPr lang="he-IL" smtClean="0"/>
+              <a:t>ט'/ניסן/תשע"ח</a:t>
+            </a:fld>
+            <a:endParaRPr lang="he-IL"/>
+          </a:p>
+        </p:txBody>
+      </p:sp>
+      <p:sp>
+        <p:nvSpPr>
+          <p:cNvPr id="4" name="Slide Image Placeholder 3"/>
+          <p:cNvSpPr>
+            <a:spLocks noGrp="1" noRot="1" noChangeAspect="1"/>
+          </p:cNvSpPr>
+          <p:nvPr>
+            <p:ph type="sldImg" idx="2"/>
+          </p:nvPr>
+        </p:nvSpPr>
+        <p:spPr>
+          <a:xfrm>
+            <a:off x="1371600" y="1143000"/>
+            <a:ext cx="4114800" cy="3086100"/>
+          </a:xfrm>
+          <a:prstGeom prst="rect">
+            <a:avLst/>
+          </a:prstGeom>
+          <a:noFill/>
+          <a:ln w="12700">
+            <a:solidFill>
+              <a:prstClr val="black"/>
+            </a:solidFill>
+          </a:ln>
+        </p:spPr>
+        <p:txBody>
+          <a:bodyPr vert="horz" lIns="91440" tIns="45720" rIns="91440" bIns="45720" rtlCol="0" anchor="ctr"/>
+          <a:lstStyle/>
+          <a:p>
+            <a:endParaRPr lang="he-IL"/>
+          </a:p>
+        </p:txBody>
+      </p:sp>
+      <p:sp>
+        <p:nvSpPr>
+          <p:cNvPr id="5" name="Notes Placeholder 4"/>
+          <p:cNvSpPr>
+            <a:spLocks noGrp="1"/>
+          </p:cNvSpPr>
+          <p:nvPr>
+            <p:ph type="body" sz="quarter" idx="3"/>
+          </p:nvPr>
+        </p:nvSpPr>
+        <p:spPr>
+          <a:xfrm>
+            <a:off x="685800" y="4400550"/>
+            <a:ext cx="5486400" cy="3600450"/>
+          </a:xfrm>
+          <a:prstGeom prst="rect">
+            <a:avLst/>
+          </a:prstGeom>
+        </p:spPr>
+        <p:txBody>
+          <a:bodyPr vert="horz" lIns="91440" tIns="45720" rIns="91440" bIns="45720" rtlCol="0"/>
+          <a:lstStyle/>
+          <a:p>
+            <a:pPr lvl="0"/>
+            <a:r>
+              <a:rPr lang="en-US"/>
+              <a:t>Edit Master text styles</a:t>
+            </a:r>
+          </a:p>
+          <a:p>
+            <a:pPr lvl="1"/>
+            <a:r>
+              <a:rPr lang="en-US"/>
+              <a:t>Second level</a:t>
+            </a:r>
+          </a:p>
+          <a:p>
+            <a:pPr lvl="2"/>
+            <a:r>
+              <a:rPr lang="en-US"/>
+              <a:t>Third level</a:t>
+            </a:r>
+          </a:p>
+          <a:p>
+            <a:pPr lvl="3"/>
+            <a:r>
+              <a:rPr lang="en-US"/>
+              <a:t>Fourth level</a:t>
+            </a:r>
+          </a:p>
+          <a:p>
+            <a:pPr lvl="4"/>
+            <a:r>
+              <a:rPr lang="en-US"/>
+              <a:t>Fifth level</a:t>
+            </a:r>
+            <a:endParaRPr lang="he-IL"/>
+          </a:p>
+        </p:txBody>
+      </p:sp>
+      <p:sp>
+        <p:nvSpPr>
+          <p:cNvPr id="6" name="Footer Placeholder 5"/>
+          <p:cNvSpPr>
+            <a:spLocks noGrp="1"/>
+          </p:cNvSpPr>
+          <p:nvPr>
+            <p:ph type="ftr" sz="quarter" idx="4"/>
+          </p:nvPr>
+        </p:nvSpPr>
+        <p:spPr>
+          <a:xfrm>
+            <a:off x="0" y="8685213"/>
+            <a:ext cx="2971800" cy="458787"/>
+          </a:xfrm>
+          <a:prstGeom prst="rect">
+            <a:avLst/>
+          </a:prstGeom>
+        </p:spPr>
+        <p:txBody>
+          <a:bodyPr vert="horz" lIns="91440" tIns="45720" rIns="91440" bIns="45720" rtlCol="0" anchor="b"/>
+          <a:lstStyle>
+            <a:lvl1pPr algn="r">
+              <a:defRPr sz="1200"/>
+            </a:lvl1pPr>
+          </a:lstStyle>
+          <a:p>
+            <a:endParaRPr lang="he-IL"/>
+          </a:p>
+        </p:txBody>
+      </p:sp>
+      <p:sp>
+        <p:nvSpPr>
+          <p:cNvPr id="7" name="Slide Number Placeholder 6"/>
+          <p:cNvSpPr>
+            <a:spLocks noGrp="1"/>
+          </p:cNvSpPr>
+          <p:nvPr>
+            <p:ph type="sldNum" sz="quarter" idx="5"/>
+          </p:nvPr>
+        </p:nvSpPr>
+        <p:spPr>
+          <a:xfrm>
+            <a:off x="3884613" y="8685213"/>
+            <a:ext cx="2971800" cy="458787"/>
+          </a:xfrm>
+          <a:prstGeom prst="rect">
+            <a:avLst/>
+          </a:prstGeom>
+        </p:spPr>
+        <p:txBody>
+          <a:bodyPr vert="horz" lIns="91440" tIns="45720" rIns="91440" bIns="45720" rtlCol="0" anchor="b"/>
+          <a:lstStyle>
+            <a:lvl1pPr algn="l">
+              <a:defRPr sz="1200"/>
+            </a:lvl1pPr>
+          </a:lstStyle>
+          <a:p>
+            <a:fld id="{97AAEC99-F097-4163-AFD7-5EA2CB319321}" type="slidenum">
+              <a:rPr lang="he-IL" smtClean="0"/>
+              <a:t>‹#›</a:t>
+            </a:fld>
+            <a:endParaRPr lang="he-IL"/>
+          </a:p>
+        </p:txBody>
+      </p:sp>
+    </p:spTree>
+    <p:extLst>
+      <p:ext uri="{BB962C8B-B14F-4D97-AF65-F5344CB8AC3E}">
+        <p14:creationId xmlns:p14="http://schemas.microsoft.com/office/powerpoint/2010/main" val="1932876538"/>
+      </p:ext>
+    </p:extLst>
+  </p:cSld>
+  <p:clrMap bg1="lt1" tx1="dk1" bg2="lt2" tx2="dk2" accent1="accent1" accent2="accent2" accent3="accent3" accent4="accent4" accent5="accent5" accent6="accent6" hlink="hlink" folHlink="folHlink"/>
+  <p:notesStyle>
+    <a:lvl1pPr marL="0" algn="l" defTabSz="914400" rtl="0" eaLnBrk="1" latinLnBrk="0" hangingPunct="1">
+      <a:defRPr sz="1200" kern="1200">
+        <a:solidFill>
+          <a:schemeClr val="tx1"/>
+        </a:solidFill>
+        <a:latin typeface="+mn-lt"/>
+        <a:ea typeface="+mn-ea"/>
+        <a:cs typeface="+mn-cs"/>
+      </a:defRPr>
+    </a:lvl1pPr>
+    <a:lvl2pPr marL="457200" algn="l" defTabSz="914400" rtl="0" eaLnBrk="1" latinLnBrk="0" hangingPunct="1">
+      <a:defRPr sz="1200" kern="1200">
+        <a:solidFill>
+          <a:schemeClr val="tx1"/>
+        </a:solidFill>
+        <a:latin typeface="+mn-lt"/>
+        <a:ea typeface="+mn-ea"/>
+        <a:cs typeface="+mn-cs"/>
+      </a:defRPr>
+    </a:lvl2pPr>
+    <a:lvl3pPr marL="914400" algn="l" defTabSz="914400" rtl="0" eaLnBrk="1" latinLnBrk="0" hangingPunct="1">
+      <a:defRPr sz="1200" kern="1200">
+        <a:solidFill>
+          <a:schemeClr val="tx1"/>
+        </a:solidFill>
+        <a:latin typeface="+mn-lt"/>
+        <a:ea typeface="+mn-ea"/>
+        <a:cs typeface="+mn-cs"/>
+      </a:defRPr>
+    </a:lvl3pPr>
+    <a:lvl4pPr marL="1371600" algn="l" defTabSz="914400" rtl="0" eaLnBrk="1" latinLnBrk="0" hangingPunct="1">
+      <a:defRPr sz="1200" kern="1200">
+        <a:solidFill>
+          <a:schemeClr val="tx1"/>
+        </a:solidFill>
+        <a:latin typeface="+mn-lt"/>
+        <a:ea typeface="+mn-ea"/>
+        <a:cs typeface="+mn-cs"/>
+      </a:defRPr>
+    </a:lvl4pPr>
+    <a:lvl5pPr marL="1828800" algn="l" defTabSz="914400" rtl="0" eaLnBrk="1" latinLnBrk="0" hangingPunct="1">
+      <a:defRPr sz="1200" kern="1200">
+        <a:solidFill>
+          <a:schemeClr val="tx1"/>
+        </a:solidFill>
+        <a:latin typeface="+mn-lt"/>
+        <a:ea typeface="+mn-ea"/>
+        <a:cs typeface="+mn-cs"/>
+      </a:defRPr>
+    </a:lvl5pPr>
+    <a:lvl6pPr marL="2286000" algn="l" defTabSz="914400" rtl="0" eaLnBrk="1" latinLnBrk="0" hangingPunct="1">
+      <a:defRPr sz="1200" kern="1200">
+        <a:solidFill>
+          <a:schemeClr val="tx1"/>
+        </a:solidFill>
+        <a:latin typeface="+mn-lt"/>
+        <a:ea typeface="+mn-ea"/>
+        <a:cs typeface="+mn-cs"/>
+      </a:defRPr>
+    </a:lvl6pPr>
+    <a:lvl7pPr marL="2743200" algn="l" defTabSz="914400" rtl="0" eaLnBrk="1" latinLnBrk="0" hangingPunct="1">
+      <a:defRPr sz="1200" kern="1200">
+        <a:solidFill>
+          <a:schemeClr val="tx1"/>
+        </a:solidFill>
+        <a:latin typeface="+mn-lt"/>
+        <a:ea typeface="+mn-ea"/>
+        <a:cs typeface="+mn-cs"/>
+      </a:defRPr>
+    </a:lvl7pPr>
+    <a:lvl8pPr marL="3200400" algn="l" defTabSz="914400" rtl="0" eaLnBrk="1" latinLnBrk="0" hangingPunct="1">
+      <a:defRPr sz="1200" kern="1200">
+        <a:solidFill>
+          <a:schemeClr val="tx1"/>
+        </a:solidFill>
+        <a:latin typeface="+mn-lt"/>
+        <a:ea typeface="+mn-ea"/>
+        <a:cs typeface="+mn-cs"/>
+      </a:defRPr>
+    </a:lvl8pPr>
+    <a:lvl9pPr marL="3657600" algn="l" defTabSz="914400" rtl="0" eaLnBrk="1" latinLnBrk="0" hangingPunct="1">
+      <a:defRPr sz="1200" kern="1200">
+        <a:solidFill>
+          <a:schemeClr val="tx1"/>
+        </a:solidFill>
+        <a:latin typeface="+mn-lt"/>
+        <a:ea typeface="+mn-ea"/>
+        <a:cs typeface="+mn-cs"/>
+      </a:defRPr>
+    </a:lvl9pPr>
+  </p:notesStyle>
+</p:notesMaster>
+</file>
+
+<file path=ppt/notesSlides/notesSlide1.xml><?xml version="1.0" encoding="utf-8"?>
+<p:notes xmlns:a="http://schemas.openxmlformats.org/drawingml/2006/main" xmlns:r="http://schemas.openxmlformats.org/officeDocument/2006/relationships" xmlns:p="http://schemas.openxmlformats.org/presentationml/2006/main">
+  <p:cSld>
+    <p:spTree>
+      <p:nvGrpSpPr>
+        <p:cNvPr id="1" name=""/>
+        <p:cNvGrpSpPr/>
+        <p:nvPr/>
+      </p:nvGrpSpPr>
+      <p:grpSpPr>
+        <a:xfrm>
+          <a:off x="0" y="0"/>
+          <a:ext cx="0" cy="0"/>
+          <a:chOff x="0" y="0"/>
+          <a:chExt cx="0" cy="0"/>
+        </a:xfrm>
+      </p:grpSpPr>
+      <p:sp>
+        <p:nvSpPr>
+          <p:cNvPr id="2" name="Slide Image Placeholder 1"/>
+          <p:cNvSpPr>
+            <a:spLocks noGrp="1" noRot="1" noChangeAspect="1"/>
+          </p:cNvSpPr>
+          <p:nvPr>
+            <p:ph type="sldImg"/>
+          </p:nvPr>
+        </p:nvSpPr>
+        <p:spPr/>
+      </p:sp>
+      <p:sp>
+        <p:nvSpPr>
+          <p:cNvPr id="3" name="Notes Placeholder 2"/>
+          <p:cNvSpPr>
+            <a:spLocks noGrp="1"/>
+          </p:cNvSpPr>
+          <p:nvPr>
+            <p:ph type="body" idx="1"/>
+          </p:nvPr>
+        </p:nvSpPr>
+        <p:spPr/>
+        <p:txBody>
+          <a:bodyPr/>
+          <a:lstStyle/>
+          <a:p>
+            <a:r>
+              <a:rPr lang="en-US" dirty="0"/>
+              <a:t>The router listens  on every route after the main URL lie www.nir.com/[</a:t>
+            </a:r>
+            <a:r>
+              <a:rPr lang="en-US" b="1" dirty="0"/>
+              <a:t>listen text</a:t>
+            </a:r>
+            <a:r>
+              <a:rPr lang="en-US" dirty="0"/>
+              <a:t>], we can configure what happens when the </a:t>
+            </a:r>
+            <a:r>
+              <a:rPr lang="en-US" dirty="0" err="1"/>
+              <a:t>url</a:t>
+            </a:r>
+            <a:r>
+              <a:rPr lang="en-US" dirty="0"/>
+              <a:t> (endpoint is the term for specific </a:t>
+            </a:r>
+            <a:r>
+              <a:rPr lang="en-US" dirty="0" err="1"/>
+              <a:t>url</a:t>
+            </a:r>
+            <a:r>
+              <a:rPr lang="en-US" dirty="0"/>
+              <a:t>), meaning in the router we have like a table for </a:t>
+            </a:r>
+            <a:r>
+              <a:rPr lang="en-US" dirty="0" err="1"/>
+              <a:t>url</a:t>
+            </a:r>
+            <a:r>
+              <a:rPr lang="en-US" dirty="0"/>
+              <a:t> endpoint X load files Y</a:t>
+            </a:r>
+          </a:p>
+          <a:p>
+            <a:r>
+              <a:rPr lang="en-US" dirty="0"/>
+              <a:t> </a:t>
+            </a:r>
+            <a:r>
+              <a:rPr lang="en-US" dirty="0" err="1"/>
+              <a:t>Eg</a:t>
+            </a:r>
+            <a:r>
+              <a:rPr lang="en-US" dirty="0"/>
+              <a:t>: </a:t>
+            </a:r>
+          </a:p>
+          <a:p>
+            <a:r>
+              <a:rPr lang="en-US" dirty="0"/>
+              <a:t>“/” 	home.html</a:t>
+            </a:r>
+          </a:p>
+          <a:p>
+            <a:r>
+              <a:rPr lang="en-US" dirty="0"/>
+              <a:t>	</a:t>
+            </a:r>
+            <a:r>
+              <a:rPr lang="en-US" dirty="0" err="1"/>
+              <a:t>homeCtrl</a:t>
+            </a:r>
+            <a:endParaRPr lang="en-US" dirty="0"/>
+          </a:p>
+          <a:p>
+            <a:r>
+              <a:rPr lang="en-US" dirty="0"/>
+              <a:t>“/messages”	messages.html</a:t>
+            </a:r>
+          </a:p>
+          <a:p>
+            <a:r>
+              <a:rPr lang="en-US" dirty="0"/>
+              <a:t>	</a:t>
+            </a:r>
+            <a:r>
+              <a:rPr lang="en-US" dirty="0" err="1"/>
+              <a:t>messages.ctrl</a:t>
+            </a:r>
+            <a:endParaRPr lang="en-US" dirty="0"/>
+          </a:p>
+          <a:p>
+            <a:r>
+              <a:rPr lang="en-US" dirty="0"/>
+              <a:t>“/messages/[x]  -&gt;load-&gt; 	messageDetails.html</a:t>
+            </a:r>
+          </a:p>
+          <a:p>
+            <a:r>
+              <a:rPr lang="en-US" dirty="0"/>
+              <a:t>		</a:t>
+            </a:r>
+            <a:r>
+              <a:rPr lang="en-US" dirty="0" err="1"/>
+              <a:t>messageDetailsCtrl</a:t>
+            </a:r>
+            <a:endParaRPr lang="en-US" dirty="0"/>
+          </a:p>
+          <a:p>
+            <a:r>
+              <a:rPr lang="en-US" dirty="0"/>
+              <a:t>otherwise</a:t>
+            </a:r>
+          </a:p>
+        </p:txBody>
+      </p:sp>
+      <p:sp>
+        <p:nvSpPr>
+          <p:cNvPr id="4" name="Slide Number Placeholder 3"/>
+          <p:cNvSpPr>
+            <a:spLocks noGrp="1"/>
+          </p:cNvSpPr>
+          <p:nvPr>
+            <p:ph type="sldNum" sz="quarter" idx="10"/>
+          </p:nvPr>
+        </p:nvSpPr>
+        <p:spPr/>
+        <p:txBody>
+          <a:bodyPr/>
+          <a:lstStyle/>
+          <a:p>
+            <a:fld id="{97AAEC99-F097-4163-AFD7-5EA2CB319321}" type="slidenum">
+              <a:rPr lang="he-IL" smtClean="0"/>
+              <a:t>2</a:t>
+            </a:fld>
+            <a:endParaRPr lang="he-IL"/>
+          </a:p>
+        </p:txBody>
+      </p:sp>
+    </p:spTree>
+    <p:extLst>
+      <p:ext uri="{BB962C8B-B14F-4D97-AF65-F5344CB8AC3E}">
+        <p14:creationId xmlns:p14="http://schemas.microsoft.com/office/powerpoint/2010/main" val="677347903"/>
+      </p:ext>
+    </p:extLst>
+  </p:cSld>
+  <p:clrMapOvr>
+    <a:masterClrMapping/>
+  </p:clrMapOvr>
+</p:notes>
+</file>
+
+<file path=ppt/notesSlides/notesSlide2.xml><?xml version="1.0" encoding="utf-8"?>
+<p:notes xmlns:a="http://schemas.openxmlformats.org/drawingml/2006/main" xmlns:r="http://schemas.openxmlformats.org/officeDocument/2006/relationships" xmlns:p="http://schemas.openxmlformats.org/presentationml/2006/main">
+  <p:cSld>
+    <p:spTree>
+      <p:nvGrpSpPr>
+        <p:cNvPr id="1" name=""/>
+        <p:cNvGrpSpPr/>
+        <p:nvPr/>
+      </p:nvGrpSpPr>
+      <p:grpSpPr>
+        <a:xfrm>
+          <a:off x="0" y="0"/>
+          <a:ext cx="0" cy="0"/>
+          <a:chOff x="0" y="0"/>
+          <a:chExt cx="0" cy="0"/>
+        </a:xfrm>
+      </p:grpSpPr>
+      <p:sp>
+        <p:nvSpPr>
+          <p:cNvPr id="2" name="Slide Image Placeholder 1"/>
+          <p:cNvSpPr>
+            <a:spLocks noGrp="1" noRot="1" noChangeAspect="1"/>
+          </p:cNvSpPr>
+          <p:nvPr>
+            <p:ph type="sldImg"/>
+          </p:nvPr>
+        </p:nvSpPr>
+        <p:spPr/>
+      </p:sp>
+      <p:sp>
+        <p:nvSpPr>
+          <p:cNvPr id="3" name="Notes Placeholder 2"/>
+          <p:cNvSpPr>
+            <a:spLocks noGrp="1"/>
+          </p:cNvSpPr>
+          <p:nvPr>
+            <p:ph type="body" idx="1"/>
+          </p:nvPr>
+        </p:nvSpPr>
+        <p:spPr/>
+        <p:txBody>
+          <a:bodyPr/>
+          <a:lstStyle/>
+          <a:p>
+            <a:endParaRPr lang="he-IL" dirty="0"/>
+          </a:p>
+        </p:txBody>
+      </p:sp>
+      <p:sp>
+        <p:nvSpPr>
+          <p:cNvPr id="4" name="Slide Number Placeholder 3"/>
+          <p:cNvSpPr>
+            <a:spLocks noGrp="1"/>
+          </p:cNvSpPr>
+          <p:nvPr>
+            <p:ph type="sldNum" sz="quarter" idx="10"/>
+          </p:nvPr>
+        </p:nvSpPr>
+        <p:spPr/>
+        <p:txBody>
+          <a:bodyPr/>
+          <a:lstStyle/>
+          <a:p>
+            <a:fld id="{97AAEC99-F097-4163-AFD7-5EA2CB319321}" type="slidenum">
+              <a:rPr lang="he-IL" smtClean="0"/>
+              <a:t>3</a:t>
+            </a:fld>
+            <a:endParaRPr lang="he-IL"/>
+          </a:p>
+        </p:txBody>
+      </p:sp>
+    </p:spTree>
+    <p:extLst>
+      <p:ext uri="{BB962C8B-B14F-4D97-AF65-F5344CB8AC3E}">
+        <p14:creationId xmlns:p14="http://schemas.microsoft.com/office/powerpoint/2010/main" val="1387721562"/>
+      </p:ext>
+    </p:extLst>
+  </p:cSld>
+  <p:clrMapOvr>
+    <a:masterClrMapping/>
+  </p:clrMapOvr>
+</p:notes>
+</file>
+
+<file path=ppt/notesSlides/notesSlide3.xml><?xml version="1.0" encoding="utf-8"?>
+<p:notes xmlns:a="http://schemas.openxmlformats.org/drawingml/2006/main" xmlns:r="http://schemas.openxmlformats.org/officeDocument/2006/relationships" xmlns:p="http://schemas.openxmlformats.org/presentationml/2006/main">
+  <p:cSld>
+    <p:spTree>
+      <p:nvGrpSpPr>
+        <p:cNvPr id="1" name=""/>
+        <p:cNvGrpSpPr/>
+        <p:nvPr/>
+      </p:nvGrpSpPr>
+      <p:grpSpPr>
+        <a:xfrm>
+          <a:off x="0" y="0"/>
+          <a:ext cx="0" cy="0"/>
+          <a:chOff x="0" y="0"/>
+          <a:chExt cx="0" cy="0"/>
+        </a:xfrm>
+      </p:grpSpPr>
+      <p:sp>
+        <p:nvSpPr>
+          <p:cNvPr id="2" name="Slide Image Placeholder 1"/>
+          <p:cNvSpPr>
+            <a:spLocks noGrp="1" noRot="1" noChangeAspect="1"/>
+          </p:cNvSpPr>
+          <p:nvPr>
+            <p:ph type="sldImg"/>
+          </p:nvPr>
+        </p:nvSpPr>
+        <p:spPr/>
+      </p:sp>
+      <p:sp>
+        <p:nvSpPr>
+          <p:cNvPr id="3" name="Notes Placeholder 2"/>
+          <p:cNvSpPr>
+            <a:spLocks noGrp="1"/>
+          </p:cNvSpPr>
+          <p:nvPr>
+            <p:ph type="body" idx="1"/>
+          </p:nvPr>
+        </p:nvSpPr>
+        <p:spPr/>
+        <p:txBody>
+          <a:bodyPr/>
+          <a:lstStyle/>
+          <a:p>
+            <a:r>
+              <a:rPr lang="en-US" dirty="0"/>
+              <a:t>To use routing we need a dependency on </a:t>
+            </a:r>
+            <a:r>
+              <a:rPr lang="en-US" b="1" dirty="0"/>
+              <a:t>module</a:t>
+            </a:r>
+            <a:r>
+              <a:rPr lang="en-US" dirty="0"/>
+              <a:t> </a:t>
+            </a:r>
+            <a:r>
+              <a:rPr lang="en-US" dirty="0" err="1"/>
+              <a:t>ngRout</a:t>
+            </a:r>
+            <a:r>
+              <a:rPr lang="en-US" dirty="0"/>
+              <a:t>, we need to add the dependency to the module line and either load the </a:t>
+            </a:r>
+            <a:r>
+              <a:rPr lang="en-US" dirty="0" err="1"/>
+              <a:t>js</a:t>
+            </a:r>
+            <a:r>
+              <a:rPr lang="en-US" dirty="0"/>
+              <a:t> file or insert a link in the html.</a:t>
+            </a:r>
+            <a:endParaRPr lang="he-IL" dirty="0"/>
+          </a:p>
+        </p:txBody>
+      </p:sp>
+      <p:sp>
+        <p:nvSpPr>
+          <p:cNvPr id="4" name="Slide Number Placeholder 3"/>
+          <p:cNvSpPr>
+            <a:spLocks noGrp="1"/>
+          </p:cNvSpPr>
+          <p:nvPr>
+            <p:ph type="sldNum" sz="quarter" idx="10"/>
+          </p:nvPr>
+        </p:nvSpPr>
+        <p:spPr/>
+        <p:txBody>
+          <a:bodyPr/>
+          <a:lstStyle/>
+          <a:p>
+            <a:fld id="{97AAEC99-F097-4163-AFD7-5EA2CB319321}" type="slidenum">
+              <a:rPr lang="he-IL" smtClean="0"/>
+              <a:t>4</a:t>
+            </a:fld>
+            <a:endParaRPr lang="he-IL"/>
+          </a:p>
+        </p:txBody>
+      </p:sp>
+    </p:spTree>
+    <p:extLst>
+      <p:ext uri="{BB962C8B-B14F-4D97-AF65-F5344CB8AC3E}">
+        <p14:creationId xmlns:p14="http://schemas.microsoft.com/office/powerpoint/2010/main" val="2303814153"/>
+      </p:ext>
+    </p:extLst>
+  </p:cSld>
+  <p:clrMapOvr>
+    <a:masterClrMapping/>
+  </p:clrMapOvr>
+</p:notes>
+</file>
+
+<file path=ppt/notesSlides/notesSlide4.xml><?xml version="1.0" encoding="utf-8"?>
+<p:notes xmlns:a="http://schemas.openxmlformats.org/drawingml/2006/main" xmlns:r="http://schemas.openxmlformats.org/officeDocument/2006/relationships" xmlns:p="http://schemas.openxmlformats.org/presentationml/2006/main">
+  <p:cSld>
+    <p:spTree>
+      <p:nvGrpSpPr>
+        <p:cNvPr id="1" name=""/>
+        <p:cNvGrpSpPr/>
+        <p:nvPr/>
+      </p:nvGrpSpPr>
+      <p:grpSpPr>
+        <a:xfrm>
+          <a:off x="0" y="0"/>
+          <a:ext cx="0" cy="0"/>
+          <a:chOff x="0" y="0"/>
+          <a:chExt cx="0" cy="0"/>
+        </a:xfrm>
+      </p:grpSpPr>
+      <p:sp>
+        <p:nvSpPr>
+          <p:cNvPr id="2" name="Slide Image Placeholder 1"/>
+          <p:cNvSpPr>
+            <a:spLocks noGrp="1" noRot="1" noChangeAspect="1"/>
+          </p:cNvSpPr>
+          <p:nvPr>
+            <p:ph type="sldImg"/>
+          </p:nvPr>
+        </p:nvSpPr>
+        <p:spPr/>
+      </p:sp>
+      <p:sp>
+        <p:nvSpPr>
+          <p:cNvPr id="3" name="Notes Placeholder 2"/>
+          <p:cNvSpPr>
+            <a:spLocks noGrp="1"/>
+          </p:cNvSpPr>
+          <p:nvPr>
+            <p:ph type="body" idx="1"/>
+          </p:nvPr>
+        </p:nvSpPr>
+        <p:spPr/>
+        <p:txBody>
+          <a:bodyPr/>
+          <a:lstStyle/>
+          <a:p>
+            <a:r>
+              <a:rPr lang="en-US" dirty="0"/>
+              <a:t>The index.html will usually contain a single line that has ng-view</a:t>
+            </a:r>
+          </a:p>
+          <a:p>
+            <a:r>
+              <a:rPr lang="en-US" dirty="0"/>
+              <a:t>&lt;div ng-view&gt;&lt;/div&gt;</a:t>
+            </a:r>
+          </a:p>
+          <a:p>
+            <a:r>
+              <a:rPr lang="en-US" dirty="0"/>
+              <a:t>Or</a:t>
+            </a:r>
+          </a:p>
+          <a:p>
+            <a:r>
+              <a:rPr lang="en-US" dirty="0"/>
+              <a:t>&lt;ng-view&gt;&lt;/ng-view&gt;</a:t>
+            </a:r>
+          </a:p>
+          <a:p>
+            <a:r>
+              <a:rPr lang="en-US" dirty="0"/>
+              <a:t>Ng-view will be the place in the html where the replacing html will be inserted (that are defined in the route)</a:t>
+            </a:r>
+          </a:p>
+          <a:p>
+            <a:r>
+              <a:rPr lang="en-US" dirty="0"/>
+              <a:t>The index.html will contain only elements that will </a:t>
+            </a:r>
+            <a:r>
+              <a:rPr lang="en-US"/>
+              <a:t>be constant </a:t>
+            </a:r>
+            <a:r>
+              <a:rPr lang="en-US" dirty="0"/>
+              <a:t>in all pages like footers or navbars.</a:t>
+            </a:r>
+            <a:endParaRPr lang="he-IL" dirty="0"/>
+          </a:p>
+        </p:txBody>
+      </p:sp>
+      <p:sp>
+        <p:nvSpPr>
+          <p:cNvPr id="4" name="Slide Number Placeholder 3"/>
+          <p:cNvSpPr>
+            <a:spLocks noGrp="1"/>
+          </p:cNvSpPr>
+          <p:nvPr>
+            <p:ph type="sldNum" sz="quarter" idx="10"/>
+          </p:nvPr>
+        </p:nvSpPr>
+        <p:spPr/>
+        <p:txBody>
+          <a:bodyPr/>
+          <a:lstStyle/>
+          <a:p>
+            <a:fld id="{97AAEC99-F097-4163-AFD7-5EA2CB319321}" type="slidenum">
+              <a:rPr lang="he-IL" smtClean="0"/>
+              <a:t>5</a:t>
+            </a:fld>
+            <a:endParaRPr lang="he-IL"/>
+          </a:p>
+        </p:txBody>
+      </p:sp>
+    </p:spTree>
+    <p:extLst>
+      <p:ext uri="{BB962C8B-B14F-4D97-AF65-F5344CB8AC3E}">
+        <p14:creationId xmlns:p14="http://schemas.microsoft.com/office/powerpoint/2010/main" val="2948732131"/>
+      </p:ext>
+    </p:extLst>
+  </p:cSld>
+  <p:clrMapOvr>
+    <a:masterClrMapping/>
+  </p:clrMapOvr>
+</p:notes>
+</file>
+
+<file path=ppt/notesSlides/notesSlide5.xml><?xml version="1.0" encoding="utf-8"?>
+<p:notes xmlns:a="http://schemas.openxmlformats.org/drawingml/2006/main" xmlns:r="http://schemas.openxmlformats.org/officeDocument/2006/relationships" xmlns:p="http://schemas.openxmlformats.org/presentationml/2006/main">
+  <p:cSld>
+    <p:spTree>
+      <p:nvGrpSpPr>
+        <p:cNvPr id="1" name=""/>
+        <p:cNvGrpSpPr/>
+        <p:nvPr/>
+      </p:nvGrpSpPr>
+      <p:grpSpPr>
+        <a:xfrm>
+          <a:off x="0" y="0"/>
+          <a:ext cx="0" cy="0"/>
+          <a:chOff x="0" y="0"/>
+          <a:chExt cx="0" cy="0"/>
+        </a:xfrm>
+      </p:grpSpPr>
+      <p:sp>
+        <p:nvSpPr>
+          <p:cNvPr id="2" name="Slide Image Placeholder 1"/>
+          <p:cNvSpPr>
+            <a:spLocks noGrp="1" noRot="1" noChangeAspect="1"/>
+          </p:cNvSpPr>
+          <p:nvPr>
+            <p:ph type="sldImg"/>
+          </p:nvPr>
+        </p:nvSpPr>
+        <p:spPr/>
+      </p:sp>
+      <p:sp>
+        <p:nvSpPr>
+          <p:cNvPr id="3" name="Notes Placeholder 2"/>
+          <p:cNvSpPr>
+            <a:spLocks noGrp="1"/>
+          </p:cNvSpPr>
+          <p:nvPr>
+            <p:ph type="body" idx="1"/>
+          </p:nvPr>
+        </p:nvSpPr>
+        <p:spPr/>
+        <p:txBody>
+          <a:bodyPr/>
+          <a:lstStyle/>
+          <a:p>
+            <a:r>
+              <a:rPr lang="en-US" dirty="0"/>
+              <a:t>We have to write the code what happens when the </a:t>
+            </a:r>
+            <a:r>
+              <a:rPr lang="en-US" dirty="0" err="1"/>
+              <a:t>url</a:t>
+            </a:r>
+            <a:r>
+              <a:rPr lang="en-US" dirty="0"/>
+              <a:t> is X</a:t>
+            </a:r>
+          </a:p>
+          <a:p>
+            <a:r>
+              <a:rPr lang="en-US" dirty="0"/>
+              <a:t>The route </a:t>
+            </a:r>
+            <a:r>
+              <a:rPr lang="en-US" dirty="0" err="1"/>
+              <a:t>prodider</a:t>
+            </a:r>
+            <a:r>
+              <a:rPr lang="en-US" dirty="0"/>
+              <a:t> has 2 functions when, otherwise.</a:t>
+            </a:r>
+          </a:p>
+          <a:p>
+            <a:r>
+              <a:rPr lang="en-US" dirty="0"/>
+              <a:t>When get 2 parameters – string of the </a:t>
+            </a:r>
+            <a:r>
+              <a:rPr lang="en-US" dirty="0" err="1"/>
+              <a:t>url</a:t>
+            </a:r>
+            <a:r>
+              <a:rPr lang="en-US" dirty="0"/>
+              <a:t>, object with keys (</a:t>
+            </a:r>
+            <a:r>
+              <a:rPr lang="en-US" dirty="0" err="1"/>
+              <a:t>templateUrl</a:t>
+            </a:r>
+            <a:r>
+              <a:rPr lang="en-US" dirty="0"/>
+              <a:t> : ‘string of the file .html’ , controller : ‘name of the controller file without file </a:t>
+            </a:r>
+            <a:r>
+              <a:rPr lang="en-US" dirty="0" err="1"/>
+              <a:t>ext</a:t>
+            </a:r>
+            <a:r>
+              <a:rPr lang="en-US" dirty="0"/>
+              <a:t>’</a:t>
+            </a:r>
+          </a:p>
+          <a:p>
+            <a:r>
+              <a:rPr lang="en-US" dirty="0"/>
+              <a:t> the </a:t>
+            </a:r>
+            <a:r>
+              <a:rPr lang="en-US" dirty="0" err="1"/>
+              <a:t>syctax</a:t>
+            </a:r>
+            <a:r>
+              <a:rPr lang="en-US" dirty="0"/>
+              <a:t> is:</a:t>
+            </a:r>
+          </a:p>
+          <a:p>
+            <a:r>
+              <a:rPr lang="en-US" dirty="0" err="1"/>
+              <a:t>App.config</a:t>
+            </a:r>
+            <a:r>
+              <a:rPr lang="en-US" dirty="0"/>
+              <a:t>(function($</a:t>
+            </a:r>
+            <a:r>
+              <a:rPr lang="en-US" dirty="0" err="1"/>
+              <a:t>routeProvider</a:t>
+            </a:r>
+            <a:r>
+              <a:rPr lang="en-US" dirty="0"/>
+              <a:t>){</a:t>
+            </a:r>
+          </a:p>
+          <a:p>
+            <a:r>
+              <a:rPr lang="en-US" dirty="0"/>
+              <a:t>	$</a:t>
+            </a:r>
+            <a:r>
+              <a:rPr lang="en-US" dirty="0" err="1"/>
+              <a:t>routeProvider</a:t>
+            </a:r>
+            <a:endParaRPr lang="en-US" dirty="0"/>
+          </a:p>
+          <a:p>
+            <a:r>
+              <a:rPr lang="en-US" dirty="0"/>
+              <a:t>	   .when(‘/’,{</a:t>
+            </a:r>
+          </a:p>
+          <a:p>
+            <a:r>
+              <a:rPr lang="en-US" dirty="0"/>
+              <a:t>	      </a:t>
+            </a:r>
+            <a:r>
+              <a:rPr lang="en-US" dirty="0" err="1"/>
+              <a:t>templateUrl</a:t>
+            </a:r>
+            <a:r>
+              <a:rPr lang="en-US" dirty="0"/>
+              <a:t> : ‘home.html’,</a:t>
+            </a:r>
+          </a:p>
+          <a:p>
+            <a:r>
+              <a:rPr lang="en-US" dirty="0"/>
+              <a:t>	      controller : ‘</a:t>
+            </a:r>
+            <a:r>
+              <a:rPr lang="en-US" dirty="0" err="1"/>
+              <a:t>homeCtrl</a:t>
+            </a:r>
+            <a:r>
+              <a:rPr lang="en-US" dirty="0"/>
+              <a:t>’</a:t>
+            </a:r>
+          </a:p>
+          <a:p>
+            <a:r>
+              <a:rPr lang="en-US" dirty="0"/>
+              <a:t>	   })</a:t>
+            </a:r>
+          </a:p>
+          <a:p>
+            <a:r>
+              <a:rPr lang="en-US" dirty="0"/>
+              <a:t>	   .when(‘/messages”,{</a:t>
+            </a:r>
+          </a:p>
+          <a:p>
+            <a:r>
+              <a:rPr lang="en-US" dirty="0"/>
+              <a:t>	     </a:t>
+            </a:r>
+            <a:r>
+              <a:rPr lang="en-US" dirty="0" err="1"/>
+              <a:t>templateUrl</a:t>
+            </a:r>
+            <a:r>
+              <a:rPr lang="en-US" dirty="0"/>
+              <a:t>: ‘messages.html’,</a:t>
+            </a:r>
+          </a:p>
+          <a:p>
+            <a:r>
+              <a:rPr lang="en-US" dirty="0"/>
+              <a:t>	     controller : ‘</a:t>
+            </a:r>
+            <a:r>
+              <a:rPr lang="en-US" dirty="0" err="1"/>
+              <a:t>messagesCtrl</a:t>
+            </a:r>
+            <a:r>
+              <a:rPr lang="en-US" dirty="0"/>
+              <a:t>’</a:t>
+            </a:r>
+          </a:p>
+          <a:p>
+            <a:r>
+              <a:rPr lang="en-US" dirty="0"/>
+              <a:t>	   })</a:t>
+            </a:r>
+          </a:p>
+          <a:p>
+            <a:r>
+              <a:rPr lang="en-US" dirty="0"/>
+              <a:t>});</a:t>
+            </a:r>
+            <a:endParaRPr lang="he-IL" dirty="0"/>
+          </a:p>
+        </p:txBody>
+      </p:sp>
+      <p:sp>
+        <p:nvSpPr>
+          <p:cNvPr id="4" name="Slide Number Placeholder 3"/>
+          <p:cNvSpPr>
+            <a:spLocks noGrp="1"/>
+          </p:cNvSpPr>
+          <p:nvPr>
+            <p:ph type="sldNum" sz="quarter" idx="10"/>
+          </p:nvPr>
+        </p:nvSpPr>
+        <p:spPr/>
+        <p:txBody>
+          <a:bodyPr/>
+          <a:lstStyle/>
+          <a:p>
+            <a:fld id="{97AAEC99-F097-4163-AFD7-5EA2CB319321}" type="slidenum">
+              <a:rPr lang="he-IL" smtClean="0"/>
+              <a:t>7</a:t>
+            </a:fld>
+            <a:endParaRPr lang="he-IL"/>
+          </a:p>
+        </p:txBody>
+      </p:sp>
+    </p:spTree>
+    <p:extLst>
+      <p:ext uri="{BB962C8B-B14F-4D97-AF65-F5344CB8AC3E}">
+        <p14:creationId xmlns:p14="http://schemas.microsoft.com/office/powerpoint/2010/main" val="3617131477"/>
+      </p:ext>
+    </p:extLst>
+  </p:cSld>
+  <p:clrMapOvr>
+    <a:masterClrMapping/>
+  </p:clrMapOvr>
+</p:notes>
 </file>
 
 <file path=ppt/slideLayouts/slideLayout1.xml><?xml version="1.0" encoding="utf-8"?>
@@ -203,7 +1432,7 @@
           <a:p>
             <a:fld id="{6F0DA8BB-0D18-469F-8022-DD923457DE3A}" type="datetimeFigureOut">
               <a:rPr lang="nl-BE"/>
-              <a:t>16/04/2009</a:t>
+              <a:t>25/03/2018</a:t>
             </a:fld>
             <a:endParaRPr lang="nl-BE"/>
           </a:p>
@@ -245,7 +1474,7 @@
           <a:p>
             <a:fld id="{B5274F97-0F13-42E5-9A1D-07478243785D}" type="slidenum">
               <a:rPr lang="nl-BE"/>
-              <a:t>?#?</a:t>
+              <a:t>‹#›</a:t>
             </a:fld>
             <a:endParaRPr lang="nl-BE"/>
           </a:p>
@@ -368,7 +1597,7 @@
           <a:p>
             <a:fld id="{6F0DA8BB-0D18-469F-8022-DD923457DE3A}" type="datetimeFigureOut">
               <a:rPr lang="nl-BE"/>
-              <a:t>16/04/2009</a:t>
+              <a:t>25/03/2018</a:t>
             </a:fld>
             <a:endParaRPr lang="nl-BE"/>
           </a:p>
@@ -410,7 +1639,7 @@
           <a:p>
             <a:fld id="{B5274F97-0F13-42E5-9A1D-07478243785D}" type="slidenum">
               <a:rPr lang="nl-BE"/>
-              <a:t>?#?</a:t>
+              <a:t>‹#›</a:t>
             </a:fld>
             <a:endParaRPr lang="nl-BE"/>
           </a:p>
@@ -543,7 +1772,7 @@
           <a:p>
             <a:fld id="{6F0DA8BB-0D18-469F-8022-DD923457DE3A}" type="datetimeFigureOut">
               <a:rPr lang="nl-BE"/>
-              <a:t>16/04/2009</a:t>
+              <a:t>25/03/2018</a:t>
             </a:fld>
             <a:endParaRPr lang="nl-BE"/>
           </a:p>
@@ -585,7 +1814,7 @@
           <a:p>
             <a:fld id="{B5274F97-0F13-42E5-9A1D-07478243785D}" type="slidenum">
               <a:rPr lang="nl-BE"/>
-              <a:t>?#?</a:t>
+              <a:t>‹#›</a:t>
             </a:fld>
             <a:endParaRPr lang="nl-BE"/>
           </a:p>
@@ -708,7 +1937,7 @@
           <a:p>
             <a:fld id="{6F0DA8BB-0D18-469F-8022-DD923457DE3A}" type="datetimeFigureOut">
               <a:rPr lang="nl-BE"/>
-              <a:t>16/04/2009</a:t>
+              <a:t>25/03/2018</a:t>
             </a:fld>
             <a:endParaRPr lang="nl-BE"/>
           </a:p>
@@ -750,7 +1979,7 @@
           <a:p>
             <a:fld id="{B5274F97-0F13-42E5-9A1D-07478243785D}" type="slidenum">
               <a:rPr lang="nl-BE"/>
-              <a:t>?#?</a:t>
+              <a:t>‹#›</a:t>
             </a:fld>
             <a:endParaRPr lang="nl-BE"/>
           </a:p>
@@ -949,7 +2178,7 @@
           <a:p>
             <a:fld id="{6F0DA8BB-0D18-469F-8022-DD923457DE3A}" type="datetimeFigureOut">
               <a:rPr lang="nl-BE"/>
-              <a:t>16/04/2009</a:t>
+              <a:t>25/03/2018</a:t>
             </a:fld>
             <a:endParaRPr lang="nl-BE"/>
           </a:p>
@@ -991,7 +2220,7 @@
           <a:p>
             <a:fld id="{B5274F97-0F13-42E5-9A1D-07478243785D}" type="slidenum">
               <a:rPr lang="nl-BE"/>
-              <a:t>?#?</a:t>
+              <a:t>‹#›</a:t>
             </a:fld>
             <a:endParaRPr lang="nl-BE"/>
           </a:p>
@@ -1232,7 +2461,7 @@
           <a:p>
             <a:fld id="{6F0DA8BB-0D18-469F-8022-DD923457DE3A}" type="datetimeFigureOut">
               <a:rPr lang="nl-BE"/>
-              <a:t>16/04/2009</a:t>
+              <a:t>25/03/2018</a:t>
             </a:fld>
             <a:endParaRPr lang="nl-BE"/>
           </a:p>
@@ -1274,7 +2503,7 @@
           <a:p>
             <a:fld id="{B5274F97-0F13-42E5-9A1D-07478243785D}" type="slidenum">
               <a:rPr lang="nl-BE"/>
-              <a:t>?#?</a:t>
+              <a:t>‹#›</a:t>
             </a:fld>
             <a:endParaRPr lang="nl-BE"/>
           </a:p>
@@ -1649,7 +2878,7 @@
           <a:p>
             <a:fld id="{6F0DA8BB-0D18-469F-8022-DD923457DE3A}" type="datetimeFigureOut">
               <a:rPr lang="nl-BE"/>
-              <a:t>16/04/2009</a:t>
+              <a:t>25/03/2018</a:t>
             </a:fld>
             <a:endParaRPr lang="nl-BE"/>
           </a:p>
@@ -1691,7 +2920,7 @@
           <a:p>
             <a:fld id="{B5274F97-0F13-42E5-9A1D-07478243785D}" type="slidenum">
               <a:rPr lang="nl-BE"/>
-              <a:t>?#?</a:t>
+              <a:t>‹#›</a:t>
             </a:fld>
             <a:endParaRPr lang="nl-BE"/>
           </a:p>
@@ -1762,7 +2991,7 @@
           <a:p>
             <a:fld id="{6F0DA8BB-0D18-469F-8022-DD923457DE3A}" type="datetimeFigureOut">
               <a:rPr lang="nl-BE"/>
-              <a:t>16/04/2009</a:t>
+              <a:t>25/03/2018</a:t>
             </a:fld>
             <a:endParaRPr lang="nl-BE"/>
           </a:p>
@@ -1804,7 +3033,7 @@
           <a:p>
             <a:fld id="{B5274F97-0F13-42E5-9A1D-07478243785D}" type="slidenum">
               <a:rPr lang="nl-BE"/>
-              <a:t>?#?</a:t>
+              <a:t>‹#›</a:t>
             </a:fld>
             <a:endParaRPr lang="nl-BE"/>
           </a:p>
@@ -1852,7 +3081,7 @@
           <a:p>
             <a:fld id="{6F0DA8BB-0D18-469F-8022-DD923457DE3A}" type="datetimeFigureOut">
               <a:rPr lang="nl-BE"/>
-              <a:t>16/04/2009</a:t>
+              <a:t>25/03/2018</a:t>
             </a:fld>
             <a:endParaRPr lang="nl-BE"/>
           </a:p>
@@ -1894,7 +3123,7 @@
           <a:p>
             <a:fld id="{B5274F97-0F13-42E5-9A1D-07478243785D}" type="slidenum">
               <a:rPr lang="nl-BE"/>
-              <a:t>?#?</a:t>
+              <a:t>‹#›</a:t>
             </a:fld>
             <a:endParaRPr lang="nl-BE"/>
           </a:p>
@@ -2124,7 +3353,7 @@
           <a:p>
             <a:fld id="{6F0DA8BB-0D18-469F-8022-DD923457DE3A}" type="datetimeFigureOut">
               <a:rPr lang="nl-BE"/>
-              <a:t>16/04/2009</a:t>
+              <a:t>25/03/2018</a:t>
             </a:fld>
             <a:endParaRPr lang="nl-BE"/>
           </a:p>
@@ -2166,7 +3395,7 @@
           <a:p>
             <a:fld id="{B5274F97-0F13-42E5-9A1D-07478243785D}" type="slidenum">
               <a:rPr lang="nl-BE"/>
-              <a:t>?#?</a:t>
+              <a:t>‹#›</a:t>
             </a:fld>
             <a:endParaRPr lang="nl-BE"/>
           </a:p>
@@ -2372,7 +3601,7 @@
           <a:p>
             <a:fld id="{6F0DA8BB-0D18-469F-8022-DD923457DE3A}" type="datetimeFigureOut">
               <a:rPr lang="nl-BE"/>
-              <a:t>16/04/2009</a:t>
+              <a:t>25/03/2018</a:t>
             </a:fld>
             <a:endParaRPr lang="nl-BE"/>
           </a:p>
@@ -2414,7 +3643,7 @@
           <a:p>
             <a:fld id="{B5274F97-0F13-42E5-9A1D-07478243785D}" type="slidenum">
               <a:rPr lang="nl-BE"/>
-              <a:t>?#?</a:t>
+              <a:t>‹#›</a:t>
             </a:fld>
             <a:endParaRPr lang="nl-BE"/>
           </a:p>
@@ -2580,7 +3809,7 @@
           <a:p>
             <a:fld id="{C6430DBB-9FD5-43E7-88F1-55A569E9525E}" type="datetimeFigureOut">
               <a:rPr lang="nl-BE"/>
-              <a:t>16/04/2009</a:t>
+              <a:t>25/03/2018</a:t>
             </a:fld>
             <a:endParaRPr lang="nl-BE"/>
           </a:p>
@@ -2658,7 +3887,7 @@
           <a:p>
             <a:fld id="{EE336665-E7E9-4861-9ADF-F11A47CBAD79}" type="slidenum">
               <a:rPr lang="nl-BE"/>
-              <a:t>&lt;#&gt;</a:t>
+              <a:t>‹#›</a:t>
             </a:fld>
             <a:endParaRPr lang="nl-BE"/>
           </a:p>
@@ -2952,7 +4181,7 @@
       </p:grpSpPr>
       <p:pic>
         <p:nvPicPr>
-          <p:cNvPr id="1" name="Slide" descr=""/>
+          <p:cNvPr id="2" name="Slide"/>
           <p:cNvPicPr>
             <a:picLocks noChangeAspect="1"/>
           </p:cNvPicPr>
@@ -2965,7 +4194,7 @@
           </a:stretch>
         </p:blipFill>
         <p:spPr>
-          <a:xfrm rot="0">
+          <a:xfrm>
             <a:off x="0" y="866013"/>
             <a:ext cx="9144000" cy="5143500"/>
           </a:xfrm>
@@ -3001,7 +4230,7 @@
       </p:grpSpPr>
       <p:pic>
         <p:nvPicPr>
-          <p:cNvPr id="1" name="Slide" descr=""/>
+          <p:cNvPr id="2" name="Slide"/>
           <p:cNvPicPr>
             <a:picLocks noChangeAspect="1"/>
           </p:cNvPicPr>
@@ -3014,7 +4243,7 @@
           </a:stretch>
         </p:blipFill>
         <p:spPr>
-          <a:xfrm rot="0">
+          <a:xfrm>
             <a:off x="0" y="866013"/>
             <a:ext cx="9144000" cy="5143500"/>
           </a:xfrm>
@@ -3050,7 +4279,7 @@
       </p:grpSpPr>
       <p:pic>
         <p:nvPicPr>
-          <p:cNvPr id="1" name="Slide" descr=""/>
+          <p:cNvPr id="2" name="Slide"/>
           <p:cNvPicPr>
             <a:picLocks noChangeAspect="1"/>
           </p:cNvPicPr>
@@ -3063,7 +4292,7 @@
           </a:stretch>
         </p:blipFill>
         <p:spPr>
-          <a:xfrm rot="0">
+          <a:xfrm>
             <a:off x="0" y="866013"/>
             <a:ext cx="9144000" cy="5143500"/>
           </a:xfrm>
@@ -3099,20 +4328,20 @@
       </p:grpSpPr>
       <p:pic>
         <p:nvPicPr>
-          <p:cNvPr id="1" name="Slide" descr=""/>
+          <p:cNvPr id="2" name="Slide"/>
           <p:cNvPicPr>
             <a:picLocks noChangeAspect="1"/>
           </p:cNvPicPr>
           <p:nvPr/>
         </p:nvPicPr>
         <p:blipFill>
-          <a:blip r:embed="rId2"/>
+          <a:blip r:embed="rId3"/>
           <a:stretch>
             <a:fillRect/>
           </a:stretch>
         </p:blipFill>
         <p:spPr>
-          <a:xfrm rot="0">
+          <a:xfrm>
             <a:off x="0" y="866013"/>
             <a:ext cx="9144000" cy="5143500"/>
           </a:xfrm>
@@ -3148,20 +4377,20 @@
       </p:grpSpPr>
       <p:pic>
         <p:nvPicPr>
-          <p:cNvPr id="1" name="Slide" descr=""/>
+          <p:cNvPr id="2" name="Slide"/>
           <p:cNvPicPr>
             <a:picLocks noChangeAspect="1"/>
           </p:cNvPicPr>
           <p:nvPr/>
         </p:nvPicPr>
         <p:blipFill>
-          <a:blip r:embed="rId2"/>
+          <a:blip r:embed="rId3"/>
           <a:stretch>
             <a:fillRect/>
           </a:stretch>
         </p:blipFill>
         <p:spPr>
-          <a:xfrm rot="0">
+          <a:xfrm>
             <a:off x="0" y="866013"/>
             <a:ext cx="9144000" cy="5143500"/>
           </a:xfrm>
@@ -3197,20 +4426,20 @@
       </p:grpSpPr>
       <p:pic>
         <p:nvPicPr>
-          <p:cNvPr id="1" name="Slide" descr=""/>
+          <p:cNvPr id="2" name="Slide"/>
           <p:cNvPicPr>
             <a:picLocks noChangeAspect="1"/>
           </p:cNvPicPr>
           <p:nvPr/>
         </p:nvPicPr>
         <p:blipFill>
-          <a:blip r:embed="rId2"/>
+          <a:blip r:embed="rId3"/>
           <a:stretch>
             <a:fillRect/>
           </a:stretch>
         </p:blipFill>
         <p:spPr>
-          <a:xfrm rot="0">
+          <a:xfrm>
             <a:off x="0" y="866013"/>
             <a:ext cx="9144000" cy="5143500"/>
           </a:xfrm>
@@ -3246,20 +4475,20 @@
       </p:grpSpPr>
       <p:pic>
         <p:nvPicPr>
-          <p:cNvPr id="1" name="Slide" descr=""/>
+          <p:cNvPr id="2" name="Slide"/>
           <p:cNvPicPr>
             <a:picLocks noChangeAspect="1"/>
           </p:cNvPicPr>
           <p:nvPr/>
         </p:nvPicPr>
         <p:blipFill>
-          <a:blip r:embed="rId2"/>
+          <a:blip r:embed="rId3"/>
           <a:stretch>
             <a:fillRect/>
           </a:stretch>
         </p:blipFill>
         <p:spPr>
-          <a:xfrm rot="0">
+          <a:xfrm>
             <a:off x="0" y="866013"/>
             <a:ext cx="9144000" cy="5143500"/>
           </a:xfrm>
@@ -3295,7 +4524,7 @@
       </p:grpSpPr>
       <p:pic>
         <p:nvPicPr>
-          <p:cNvPr id="1" name="Slide" descr=""/>
+          <p:cNvPr id="2" name="Slide"/>
           <p:cNvPicPr>
             <a:picLocks noChangeAspect="1"/>
           </p:cNvPicPr>
@@ -3308,7 +4537,7 @@
           </a:stretch>
         </p:blipFill>
         <p:spPr>
-          <a:xfrm rot="0">
+          <a:xfrm>
             <a:off x="0" y="866013"/>
             <a:ext cx="9144000" cy="5143500"/>
           </a:xfrm>
@@ -3344,20 +4573,20 @@
       </p:grpSpPr>
       <p:pic>
         <p:nvPicPr>
-          <p:cNvPr id="1" name="Slide" descr=""/>
+          <p:cNvPr id="2" name="Slide"/>
           <p:cNvPicPr>
             <a:picLocks noChangeAspect="1"/>
           </p:cNvPicPr>
           <p:nvPr/>
         </p:nvPicPr>
         <p:blipFill>
-          <a:blip r:embed="rId2"/>
+          <a:blip r:embed="rId3"/>
           <a:stretch>
             <a:fillRect/>
           </a:stretch>
         </p:blipFill>
         <p:spPr>
-          <a:xfrm rot="0">
+          <a:xfrm>
             <a:off x="0" y="866013"/>
             <a:ext cx="9144000" cy="5143500"/>
           </a:xfrm>
@@ -3393,7 +4622,7 @@
       </p:grpSpPr>
       <p:pic>
         <p:nvPicPr>
-          <p:cNvPr id="1" name="Slide" descr=""/>
+          <p:cNvPr id="2" name="Slide"/>
           <p:cNvPicPr>
             <a:picLocks noChangeAspect="1"/>
           </p:cNvPicPr>
@@ -3406,7 +4635,7 @@
           </a:stretch>
         </p:blipFill>
         <p:spPr>
-          <a:xfrm rot="0">
+          <a:xfrm>
             <a:off x="0" y="866013"/>
             <a:ext cx="9144000" cy="5143500"/>
           </a:xfrm>
@@ -3442,7 +4671,7 @@
       </p:grpSpPr>
       <p:pic>
         <p:nvPicPr>
-          <p:cNvPr id="1" name="Slide" descr=""/>
+          <p:cNvPr id="2" name="Slide"/>
           <p:cNvPicPr>
             <a:picLocks noChangeAspect="1"/>
           </p:cNvPicPr>
@@ -3455,7 +4684,7 @@
           </a:stretch>
         </p:blipFill>
         <p:spPr>
-          <a:xfrm rot="0">
+          <a:xfrm>
             <a:off x="0" y="866013"/>
             <a:ext cx="9144000" cy="5143500"/>
           </a:xfrm>
@@ -3753,4 +4982,299 @@
   <a:objectDefaults/>
   <a:extraClrSchemeLst/>
 </a:theme>
+</file>
+
+<file path=ppt/theme/theme2.xml><?xml version="1.0" encoding="utf-8"?>
+<a:theme xmlns:a="http://schemas.openxmlformats.org/drawingml/2006/main" name="Office Theme">
+  <a:themeElements>
+    <a:clrScheme name="Office">
+      <a:dk1>
+        <a:sysClr val="windowText" lastClr="000000"/>
+      </a:dk1>
+      <a:lt1>
+        <a:sysClr val="window" lastClr="FFFFFF"/>
+      </a:lt1>
+      <a:dk2>
+        <a:srgbClr val="44546A"/>
+      </a:dk2>
+      <a:lt2>
+        <a:srgbClr val="E7E6E6"/>
+      </a:lt2>
+      <a:accent1>
+        <a:srgbClr val="4472C4"/>
+      </a:accent1>
+      <a:accent2>
+        <a:srgbClr val="ED7D31"/>
+      </a:accent2>
+      <a:accent3>
+        <a:srgbClr val="A5A5A5"/>
+      </a:accent3>
+      <a:accent4>
+        <a:srgbClr val="FFC000"/>
+      </a:accent4>
+      <a:accent5>
+        <a:srgbClr val="5B9BD5"/>
+      </a:accent5>
+      <a:accent6>
+        <a:srgbClr val="70AD47"/>
+      </a:accent6>
+      <a:hlink>
+        <a:srgbClr val="0563C1"/>
+      </a:hlink>
+      <a:folHlink>
+        <a:srgbClr val="954F72"/>
+      </a:folHlink>
+    </a:clrScheme>
+    <a:fontScheme name="Office">
+      <a:majorFont>
+        <a:latin typeface="Calibri Light" panose="020F0302020204030204"/>
+        <a:ea typeface=""/>
+        <a:cs typeface=""/>
+        <a:font script="Jpan" typeface="游ゴシック Light"/>
+        <a:font script="Hang" typeface="맑은 고딕"/>
+        <a:font script="Hans" typeface="等线 Light"/>
+        <a:font script="Hant" typeface="新細明體"/>
+        <a:font script="Arab" typeface="Times New Roman"/>
+        <a:font script="Hebr" typeface="Times New Roman"/>
+        <a:font script="Thai" typeface="Angsana New"/>
+        <a:font script="Ethi" typeface="Nyala"/>
+        <a:font script="Beng" typeface="Vrinda"/>
+        <a:font script="Gujr" typeface="Shruti"/>
+        <a:font script="Khmr" typeface="MoolBoran"/>
+        <a:font script="Knda" typeface="Tunga"/>
+        <a:font script="Guru" typeface="Raavi"/>
+        <a:font script="Cans" typeface="Euphemia"/>
+        <a:font script="Cher" typeface="Plantagenet Cherokee"/>
+        <a:font script="Yiii" typeface="Microsoft Yi Baiti"/>
+        <a:font script="Tibt" typeface="Microsoft Himalaya"/>
+        <a:font script="Thaa" typeface="MV Boli"/>
+        <a:font script="Deva" typeface="Mangal"/>
+        <a:font script="Telu" typeface="Gautami"/>
+        <a:font script="Taml" typeface="Latha"/>
+        <a:font script="Syrc" typeface="Estrangelo Edessa"/>
+        <a:font script="Orya" typeface="Kalinga"/>
+        <a:font script="Mlym" typeface="Kartika"/>
+        <a:font script="Laoo" typeface="DokChampa"/>
+        <a:font script="Sinh" typeface="Iskoola Pota"/>
+        <a:font script="Mong" typeface="Mongolian Baiti"/>
+        <a:font script="Viet" typeface="Times New Roman"/>
+        <a:font script="Uigh" typeface="Microsoft Uighur"/>
+        <a:font script="Geor" typeface="Sylfaen"/>
+        <a:font script="Armn" typeface="Arial"/>
+        <a:font script="Bugi" typeface="Leelawadee UI"/>
+        <a:font script="Bopo" typeface="Microsoft JhengHei"/>
+        <a:font script="Java" typeface="Javanese Text"/>
+        <a:font script="Lisu" typeface="Segoe UI"/>
+        <a:font script="Mymr" typeface="Myanmar Text"/>
+        <a:font script="Nkoo" typeface="Ebrima"/>
+        <a:font script="Olck" typeface="Nirmala UI"/>
+        <a:font script="Osma" typeface="Ebrima"/>
+        <a:font script="Phag" typeface="Phagspa"/>
+        <a:font script="Syrn" typeface="Estrangelo Edessa"/>
+        <a:font script="Syrj" typeface="Estrangelo Edessa"/>
+        <a:font script="Syre" typeface="Estrangelo Edessa"/>
+        <a:font script="Sora" typeface="Nirmala UI"/>
+        <a:font script="Tale" typeface="Microsoft Tai Le"/>
+        <a:font script="Talu" typeface="Microsoft New Tai Lue"/>
+        <a:font script="Tfng" typeface="Ebrima"/>
+      </a:majorFont>
+      <a:minorFont>
+        <a:latin typeface="Calibri" panose="020F0502020204030204"/>
+        <a:ea typeface=""/>
+        <a:cs typeface=""/>
+        <a:font script="Jpan" typeface="游ゴシック"/>
+        <a:font script="Hang" typeface="맑은 고딕"/>
+        <a:font script="Hans" typeface="等线"/>
+        <a:font script="Hant" typeface="新細明體"/>
+        <a:font script="Arab" typeface="Arial"/>
+        <a:font script="Hebr" typeface="Arial"/>
+        <a:font script="Thai" typeface="Cordia New"/>
+        <a:font script="Ethi" typeface="Nyala"/>
+        <a:font script="Beng" typeface="Vrinda"/>
+        <a:font script="Gujr" typeface="Shruti"/>
+        <a:font script="Khmr" typeface="DaunPenh"/>
+        <a:font script="Knda" typeface="Tunga"/>
+        <a:font script="Guru" typeface="Raavi"/>
+        <a:font script="Cans" typeface="Euphemia"/>
+        <a:font script="Cher" typeface="Plantagenet Cherokee"/>
+        <a:font script="Yiii" typeface="Microsoft Yi Baiti"/>
+        <a:font script="Tibt" typeface="Microsoft Himalaya"/>
+        <a:font script="Thaa" typeface="MV Boli"/>
+        <a:font script="Deva" typeface="Mangal"/>
+        <a:font script="Telu" typeface="Gautami"/>
+        <a:font script="Taml" typeface="Latha"/>
+        <a:font script="Syrc" typeface="Estrangelo Edessa"/>
+        <a:font script="Orya" typeface="Kalinga"/>
+        <a:font script="Mlym" typeface="Kartika"/>
+        <a:font script="Laoo" typeface="DokChampa"/>
+        <a:font script="Sinh" typeface="Iskoola Pota"/>
+        <a:font script="Mong" typeface="Mongolian Baiti"/>
+        <a:font script="Viet" typeface="Arial"/>
+        <a:font script="Uigh" typeface="Microsoft Uighur"/>
+        <a:font script="Geor" typeface="Sylfaen"/>
+        <a:font script="Armn" typeface="Arial"/>
+        <a:font script="Bugi" typeface="Leelawadee UI"/>
+        <a:font script="Bopo" typeface="Microsoft JhengHei"/>
+        <a:font script="Java" typeface="Javanese Text"/>
+        <a:font script="Lisu" typeface="Segoe UI"/>
+        <a:font script="Mymr" typeface="Myanmar Text"/>
+        <a:font script="Nkoo" typeface="Ebrima"/>
+        <a:font script="Olck" typeface="Nirmala UI"/>
+        <a:font script="Osma" typeface="Ebrima"/>
+        <a:font script="Phag" typeface="Phagspa"/>
+        <a:font script="Syrn" typeface="Estrangelo Edessa"/>
+        <a:font script="Syrj" typeface="Estrangelo Edessa"/>
+        <a:font script="Syre" typeface="Estrangelo Edessa"/>
+        <a:font script="Sora" typeface="Nirmala UI"/>
+        <a:font script="Tale" typeface="Microsoft Tai Le"/>
+        <a:font script="Talu" typeface="Microsoft New Tai Lue"/>
+        <a:font script="Tfng" typeface="Ebrima"/>
+      </a:minorFont>
+    </a:fontScheme>
+    <a:fmtScheme name="Office">
+      <a:fillStyleLst>
+        <a:solidFill>
+          <a:schemeClr val="phClr"/>
+        </a:solidFill>
+        <a:gradFill rotWithShape="1">
+          <a:gsLst>
+            <a:gs pos="0">
+              <a:schemeClr val="phClr">
+                <a:lumMod val="110000"/>
+                <a:satMod val="105000"/>
+                <a:tint val="67000"/>
+              </a:schemeClr>
+            </a:gs>
+            <a:gs pos="50000">
+              <a:schemeClr val="phClr">
+                <a:lumMod val="105000"/>
+                <a:satMod val="103000"/>
+                <a:tint val="73000"/>
+              </a:schemeClr>
+            </a:gs>
+            <a:gs pos="100000">
+              <a:schemeClr val="phClr">
+                <a:lumMod val="105000"/>
+                <a:satMod val="109000"/>
+                <a:tint val="81000"/>
+              </a:schemeClr>
+            </a:gs>
+          </a:gsLst>
+          <a:lin ang="5400000" scaled="0"/>
+        </a:gradFill>
+        <a:gradFill rotWithShape="1">
+          <a:gsLst>
+            <a:gs pos="0">
+              <a:schemeClr val="phClr">
+                <a:satMod val="103000"/>
+                <a:lumMod val="102000"/>
+                <a:tint val="94000"/>
+              </a:schemeClr>
+            </a:gs>
+            <a:gs pos="50000">
+              <a:schemeClr val="phClr">
+                <a:satMod val="110000"/>
+                <a:lumMod val="100000"/>
+                <a:shade val="100000"/>
+              </a:schemeClr>
+            </a:gs>
+            <a:gs pos="100000">
+              <a:schemeClr val="phClr">
+                <a:lumMod val="99000"/>
+                <a:satMod val="120000"/>
+                <a:shade val="78000"/>
+              </a:schemeClr>
+            </a:gs>
+          </a:gsLst>
+          <a:lin ang="5400000" scaled="0"/>
+        </a:gradFill>
+      </a:fillStyleLst>
+      <a:lnStyleLst>
+        <a:ln w="6350" cap="flat" cmpd="sng" algn="ctr">
+          <a:solidFill>
+            <a:schemeClr val="phClr"/>
+          </a:solidFill>
+          <a:prstDash val="solid"/>
+          <a:miter lim="800000"/>
+        </a:ln>
+        <a:ln w="12700" cap="flat" cmpd="sng" algn="ctr">
+          <a:solidFill>
+            <a:schemeClr val="phClr"/>
+          </a:solidFill>
+          <a:prstDash val="solid"/>
+          <a:miter lim="800000"/>
+        </a:ln>
+        <a:ln w="19050" cap="flat" cmpd="sng" algn="ctr">
+          <a:solidFill>
+            <a:schemeClr val="phClr"/>
+          </a:solidFill>
+          <a:prstDash val="solid"/>
+          <a:miter lim="800000"/>
+        </a:ln>
+      </a:lnStyleLst>
+      <a:effectStyleLst>
+        <a:effectStyle>
+          <a:effectLst/>
+        </a:effectStyle>
+        <a:effectStyle>
+          <a:effectLst/>
+        </a:effectStyle>
+        <a:effectStyle>
+          <a:effectLst>
+            <a:outerShdw blurRad="57150" dist="19050" dir="5400000" algn="ctr" rotWithShape="0">
+              <a:srgbClr val="000000">
+                <a:alpha val="63000"/>
+              </a:srgbClr>
+            </a:outerShdw>
+          </a:effectLst>
+        </a:effectStyle>
+      </a:effectStyleLst>
+      <a:bgFillStyleLst>
+        <a:solidFill>
+          <a:schemeClr val="phClr"/>
+        </a:solidFill>
+        <a:solidFill>
+          <a:schemeClr val="phClr">
+            <a:tint val="95000"/>
+            <a:satMod val="170000"/>
+          </a:schemeClr>
+        </a:solidFill>
+        <a:gradFill rotWithShape="1">
+          <a:gsLst>
+            <a:gs pos="0">
+              <a:schemeClr val="phClr">
+                <a:tint val="93000"/>
+                <a:satMod val="150000"/>
+                <a:shade val="98000"/>
+                <a:lumMod val="102000"/>
+              </a:schemeClr>
+            </a:gs>
+            <a:gs pos="50000">
+              <a:schemeClr val="phClr">
+                <a:tint val="98000"/>
+                <a:satMod val="130000"/>
+                <a:shade val="90000"/>
+                <a:lumMod val="103000"/>
+              </a:schemeClr>
+            </a:gs>
+            <a:gs pos="100000">
+              <a:schemeClr val="phClr">
+                <a:shade val="63000"/>
+                <a:satMod val="120000"/>
+              </a:schemeClr>
+            </a:gs>
+          </a:gsLst>
+          <a:lin ang="5400000" scaled="0"/>
+        </a:gradFill>
+      </a:bgFillStyleLst>
+    </a:fmtScheme>
+  </a:themeElements>
+  <a:objectDefaults/>
+  <a:extraClrSchemeLst/>
+  <a:extLst>
+    <a:ext uri="{05A4C25C-085E-4340-85A3-A5531E510DB2}">
+      <thm15:themeFamily xmlns:thm15="http://schemas.microsoft.com/office/thememl/2012/main" name="Office Theme" id="{62F939B6-93AF-4DB8-9C6B-D6C7DFDC589F}" vid="{4A3C46E8-61CC-4603-A589-7422A47A8E4A}"/>
+    </a:ext>
+  </a:extLst>
+</a:theme>
 </file>